--- a/integral.pptx
+++ b/integral.pptx
@@ -276,7 +276,7 @@
               <a:rPr kumimoji="1" lang="ja-JP" altLang="en-US" smtClean="0">
                 <a:ea typeface="メイリオ" panose="020B0604030504040204" pitchFamily="50" charset="-128"/>
               </a:rPr>
-              <a:t>2020/3/31</a:t>
+              <a:t>2020/4/1</a:t>
             </a:fld>
             <a:endParaRPr kumimoji="1" lang="ja-JP" altLang="en-US" dirty="0">
               <a:ea typeface="メイリオ" panose="020B0604030504040204" pitchFamily="50" charset="-128"/>
@@ -422,7 +422,7 @@
             <a:fld id="{4B26993D-C081-44EB-B0F5-A9F467792B62}" type="datetimeFigureOut">
               <a:rPr lang="ja-JP" altLang="en-US" smtClean="0"/>
               <a:pPr/>
-              <a:t>2020/3/31</a:t>
+              <a:t>2020/4/1</a:t>
             </a:fld>
             <a:endParaRPr lang="ja-JP" altLang="en-US" dirty="0"/>
           </a:p>
@@ -6778,10 +6778,6 @@
               <a:rPr lang="en-US" altLang="ja-JP" sz="1600" dirty="0" smtClean="0"/>
               <a:t>type of input data</a:t>
             </a:r>
-            <a:r>
-              <a:rPr lang="en-US" altLang="ja-JP" sz="1600" dirty="0" smtClean="0"/>
-              <a:t/>
-            </a:r>
             <a:br>
               <a:rPr lang="en-US" altLang="ja-JP" sz="1600" dirty="0" smtClean="0"/>
             </a:br>
@@ -6813,11 +6809,15 @@
             </a:r>
             <a:r>
               <a:rPr lang="ja-JP" altLang="en-US" sz="1600" dirty="0" smtClean="0"/>
-              <a:t>：出力画像</a:t>
-            </a:r>
-            <a:r>
-              <a:rPr lang="ja-JP" altLang="en-US" sz="1600" dirty="0"/>
-              <a:t>の型</a:t>
+              <a:t>：</a:t>
+            </a:r>
+            <a:r>
+              <a:rPr lang="en-US" altLang="ja-JP" sz="1600" dirty="0" smtClean="0"/>
+              <a:t>type of </a:t>
+            </a:r>
+            <a:r>
+              <a:rPr lang="en-US" altLang="ja-JP" sz="1600" dirty="0" smtClean="0"/>
+              <a:t>output data</a:t>
             </a:r>
             <a:r>
               <a:rPr lang="en-US" altLang="ja-JP" sz="1600" dirty="0"/>
@@ -6836,11 +6836,7 @@
             </a:r>
             <a:r>
               <a:rPr lang="en-US" altLang="ja-JP" sz="1600" dirty="0" smtClean="0"/>
-              <a:t>,</a:t>
-            </a:r>
-            <a:r>
-              <a:rPr lang="en-US" altLang="ja-JP" sz="1600" dirty="0" smtClean="0"/>
-              <a:t>…</a:t>
+              <a:t>,…</a:t>
             </a:r>
             <a:r>
               <a:rPr lang="ja-JP" altLang="en-US" sz="1600" dirty="0" smtClean="0"/>
@@ -6854,7 +6850,7 @@
             </a:pPr>
             <a:r>
               <a:rPr lang="en-US" altLang="ja-JP" sz="1600" dirty="0" smtClean="0"/>
-              <a:t>i</a:t>
+              <a:t>I</a:t>
             </a:r>
             <a:r>
               <a:rPr kumimoji="1" lang="en-US" altLang="ja-JP" sz="1600" dirty="0" smtClean="0"/>
@@ -6868,7 +6864,6 @@
               <a:rPr kumimoji="1" lang="en-US" altLang="ja-JP" sz="1600" dirty="0" smtClean="0"/>
               <a:t>pointer of input data</a:t>
             </a:r>
-            <a:endParaRPr kumimoji="1" lang="en-US" altLang="ja-JP" sz="1600" dirty="0" smtClean="0"/>
           </a:p>
           <a:p>
             <a:pPr marL="0" indent="0">
@@ -6876,7 +6871,7 @@
             </a:pPr>
             <a:r>
               <a:rPr lang="en-US" altLang="ja-JP" sz="1600" dirty="0" smtClean="0"/>
-              <a:t>out</a:t>
+              <a:t>Out</a:t>
             </a:r>
             <a:r>
               <a:rPr lang="ja-JP" altLang="en-US" sz="1600" dirty="0" smtClean="0"/>
@@ -6884,15 +6879,7 @@
             </a:r>
             <a:r>
               <a:rPr lang="en-US" altLang="ja-JP" sz="1600" dirty="0" smtClean="0"/>
-              <a:t>pointer of outpu</a:t>
-            </a:r>
-            <a:r>
-              <a:rPr lang="en-US" altLang="ja-JP" sz="1600" dirty="0" smtClean="0"/>
-              <a:t>t data</a:t>
-            </a:r>
-            <a:r>
-              <a:rPr lang="en-US" altLang="ja-JP" sz="1600" dirty="0" smtClean="0"/>
-              <a:t/>
+              <a:t>pointer of output data</a:t>
             </a:r>
             <a:br>
               <a:rPr lang="en-US" altLang="ja-JP" sz="1600" dirty="0" smtClean="0"/>
@@ -6939,7 +6926,7 @@
             </a:pPr>
             <a:r>
               <a:rPr lang="en-US" altLang="ja-JP" sz="1600" dirty="0" smtClean="0"/>
-              <a:t>height</a:t>
+              <a:t>Height</a:t>
             </a:r>
             <a:r>
               <a:rPr lang="ja-JP" altLang="en-US" sz="1600" dirty="0" smtClean="0"/>
@@ -6947,7 +6934,15 @@
             </a:r>
             <a:r>
               <a:rPr lang="en-US" altLang="ja-JP" sz="1600" dirty="0" smtClean="0"/>
-              <a:t>height of image</a:t>
+              <a:t>height </a:t>
+            </a:r>
+            <a:r>
+              <a:rPr lang="en-US" altLang="ja-JP" sz="1600" smtClean="0"/>
+              <a:t>of </a:t>
+            </a:r>
+            <a:r>
+              <a:rPr lang="en-US" altLang="ja-JP" sz="1600" smtClean="0"/>
+              <a:t>image</a:t>
             </a:r>
             <a:endParaRPr kumimoji="1" lang="ja-JP" altLang="en-US" sz="1600" dirty="0"/>
           </a:p>
